--- a/Templates/morgan.pptx
+++ b/Templates/morgan.pptx
@@ -1778,40 +1778,11 @@
                 </a:solidFill>
                 <a:latin typeface="Futura PT" panose="020B0902020204020203" pitchFamily="34" charset="0"/>
               </a:rPr>
-              <a:t>Durée d’investissement conseillée </a:t>
-            </a:r>
-            <a:r>
-              <a:rPr lang="fr-FR" sz="800" b="1">
-                <a:solidFill>
-                  <a:srgbClr val="B9A049"/>
-                </a:solidFill>
-                <a:latin typeface="Futura PT" panose="020B0902020204020203" pitchFamily="34" charset="0"/>
-              </a:rPr>
-              <a:t>: </a:t>
-            </a:r>
-            <a:r>
-              <a:rPr lang="fr-FR" sz="800" b="1">
-                <a:highlight>
-                  <a:srgbClr val="FFFF00"/>
-                </a:highlight>
-              </a:rPr>
-              <a:t>&lt;</a:t>
-            </a:r>
-            <a:r>
-              <a:rPr lang="fr-FR" sz="800" b="1" cap="none">
-                <a:highlight>
-                  <a:srgbClr val="FFFF00"/>
-                </a:highlight>
-              </a:rPr>
-              <a:t>DIC&gt; </a:t>
-            </a:r>
-            <a:r>
-              <a:rPr lang="fr-FR" sz="800" cap="none">
-                <a:solidFill>
-                  <a:schemeClr val="tx2"/>
-                </a:solidFill>
-              </a:rPr>
-              <a:t>(</a:t>
+              <a:t>Durée d’investissement conseillée : </a:t>
+            </a:r>
+            <a:r>
+              <a:rPr lang="fr-FR" sz="800" b="1" cap="none" dirty="0"/>
+              <a:t>&lt;DIC&gt; (</a:t>
             </a:r>
             <a:r>
               <a:rPr lang="fr-FR" sz="800" cap="none" dirty="0">
@@ -3524,27 +3495,7 @@
             </a:pPr>
             <a:r>
               <a:rPr lang="fr-FR" sz="800" dirty="0"/>
-              <a:t>À l’issue des &lt;F0&gt;&lt;F0s&gt; 2 à &lt;ADPR&gt;, aux dates de constatation correspondantes</a:t>
-            </a:r>
-            <a:r>
-              <a:rPr lang="fr-FR" sz="800" baseline="30000" dirty="0"/>
-              <a:t>(1)</a:t>
-            </a:r>
-            <a:r>
-              <a:rPr lang="fr-FR" sz="800" dirty="0"/>
-              <a:t>, &lt;SJR1&gt; clôture à un &lt;SJR3&gt; strictement inférieur à </a:t>
-            </a:r>
-            <a:r>
-              <a:rPr lang="fr-FR" sz="800" dirty="0">
-                <a:highlight>
-                  <a:srgbClr val="FF00FF"/>
-                </a:highlight>
-              </a:rPr>
-              <a:t>&lt;ABAC2&gt;. </a:t>
-            </a:r>
-            <a:r>
-              <a:rPr lang="fr-FR" sz="800" dirty="0"/>
-              <a:t>Le mécanisme de remboursement anticipé automatique n’est donc pas activé et le produit ne verse aucun coupon&lt;Mémoire4&gt;.</a:t>
+              <a:t>À l’issue des &lt;F0&gt;&lt;F0s&gt; 2 à &lt;ADPR&gt;, aux dates de constatation correspondantes(1), &lt;SJR1&gt; clôture à un &lt;SJR3&gt; strictement inférieur à &lt;ABAC2&gt;. Le mécanisme de remboursement anticipé automatique n’est donc pas activé et le produit ne verse aucun coupon&lt;Mémoire4&gt;.</a:t>
             </a:r>
           </a:p>
           <a:p>
@@ -3606,26 +3557,11 @@
                   <a:srgbClr val="00FFFF"/>
                 </a:highlight>
               </a:rPr>
-              <a:t>&lt;</a:t>
-            </a:r>
-            <a:r>
-              <a:rPr lang="fr-FR" sz="800">
-                <a:solidFill>
-                  <a:srgbClr val="000000"/>
-                </a:solidFill>
-                <a:highlight>
-                  <a:srgbClr val="00FFFF"/>
-                </a:highlight>
-              </a:rPr>
-              <a:t>TRA.MP&gt;</a:t>
-            </a:r>
-            <a:r>
-              <a:rPr lang="fr-FR" sz="800" baseline="30000"/>
-              <a:t>(</a:t>
+              <a:t>&lt;TRA.MP&gt;</a:t>
             </a:r>
             <a:r>
               <a:rPr lang="fr-FR" sz="800" baseline="30000" dirty="0"/>
-              <a:t>2)</a:t>
+              <a:t>(2)</a:t>
             </a:r>
             <a:r>
               <a:rPr lang="fr-FR" sz="800" dirty="0"/>
@@ -3974,26 +3910,7 @@
                   <a:schemeClr val="tx2"/>
                 </a:solidFill>
               </a:rPr>
-              <a:t>, &lt;SJR1&gt; clôture à un &lt;SJR3&gt; supérieur à </a:t>
-            </a:r>
-            <a:r>
-              <a:rPr lang="fr-FR" sz="800" dirty="0">
-                <a:solidFill>
-                  <a:schemeClr val="tx2"/>
-                </a:solidFill>
-                <a:highlight>
-                  <a:srgbClr val="FF00FF"/>
-                </a:highlight>
-              </a:rPr>
-              <a:t>&lt;ABAC2</a:t>
-            </a:r>
-            <a:r>
-              <a:rPr lang="fr-FR" sz="800" dirty="0">
-                <a:solidFill>
-                  <a:schemeClr val="tx2"/>
-                </a:solidFill>
-              </a:rPr>
-              <a:t>&gt;. Le produit verse alors un coupon de &lt;CPN&gt; au titre de chaque &lt;F0&gt;.</a:t>
+              <a:t>, &lt;SJR1&gt; clôture à un &lt;SJR3&gt; supérieur à &lt;ABAC2&gt;. Le produit verse alors un coupon de &lt;CPN&gt; au titre de chaque &lt;F0&gt;.</a:t>
             </a:r>
           </a:p>
           <a:p>
@@ -6190,7 +6107,7 @@
                   <a:srgbClr val="FF00FF"/>
                 </a:highlight>
               </a:rPr>
-              <a:t>&lt;DDR1_MAJ_min&gt;</a:t>
+              <a:t>&lt;DDR1_MAJ_MIN&gt;</a:t>
             </a:r>
             <a:endParaRPr lang="fr-FR" sz="800" dirty="0">
               <a:highlight>
@@ -6229,7 +6146,7 @@
           <a:lstStyle/>
           <a:p>
             <a:r>
-              <a:rPr lang="fr-FR" sz="800" u="sng">
+              <a:rPr lang="fr-FR" sz="800" u="sng" dirty="0">
                 <a:highlight>
                   <a:srgbClr val="FF00FF"/>
                 </a:highlight>
@@ -6237,7 +6154,7 @@
               <a:t>Source :</a:t>
             </a:r>
             <a:r>
-              <a:rPr lang="fr-FR" sz="800">
+              <a:rPr lang="fr-FR" sz="800" dirty="0">
                 <a:highlight>
                   <a:srgbClr val="FF00FF"/>
                 </a:highlight>
@@ -6245,7 +6162,7 @@
               <a:t> Bloomberg, le </a:t>
             </a:r>
             <a:r>
-              <a:rPr lang="fr-FR" sz="800">
+              <a:rPr lang="fr-FR" sz="800" dirty="0">
                 <a:solidFill>
                   <a:schemeClr val="tx2"/>
                 </a:solidFill>
@@ -6255,7 +6172,7 @@
               </a:rPr>
               <a:t>&lt;DDR1_MAJ&gt;</a:t>
             </a:r>
-            <a:endParaRPr lang="fr-FR" sz="800">
+            <a:endParaRPr lang="fr-FR" sz="800" dirty="0">
               <a:highlight>
                 <a:srgbClr val="FF00FF"/>
               </a:highlight>
@@ -6350,6 +6267,104 @@
               </a:defRPr>
             </a:pPr>
             <a:endParaRPr/>
+          </a:p>
+        </p:txBody>
+      </p:sp>
+      <p:sp>
+        <p:nvSpPr>
+          <p:cNvPr id="22" name="ZoneTexte 21">
+            <a:extLst>
+              <a:ext uri="{FF2B5EF4-FFF2-40B4-BE49-F238E27FC236}">
+                <a16:creationId xmlns:a16="http://schemas.microsoft.com/office/drawing/2014/main" id="{BD821271-F0D2-16DA-E9D8-13C9340158C3}"/>
+              </a:ext>
+            </a:extLst>
+          </p:cNvPr>
+          <p:cNvSpPr txBox="1"/>
+          <p:nvPr/>
+        </p:nvSpPr>
+        <p:spPr>
+          <a:xfrm>
+            <a:off x="1524761" y="8002768"/>
+            <a:ext cx="4056888" cy="230832"/>
+          </a:xfrm>
+          <a:prstGeom prst="rect">
+            <a:avLst/>
+          </a:prstGeom>
+          <a:noFill/>
+        </p:spPr>
+        <p:txBody>
+          <a:bodyPr wrap="square">
+            <a:spAutoFit/>
+          </a:bodyPr>
+          <a:lstStyle/>
+          <a:p>
+            <a:r>
+              <a:rPr lang="en-US" sz="900" dirty="0"/>
+              <a:t>&lt;</a:t>
+            </a:r>
+            <a:r>
+              <a:rPr lang="en-US" sz="900" b="0" dirty="0" err="1">
+                <a:solidFill>
+                  <a:srgbClr val="CE9178"/>
+                </a:solidFill>
+                <a:effectLst/>
+                <a:latin typeface="Consolas" panose="020B0609020204030204" pitchFamily="49" charset="0"/>
+              </a:rPr>
+              <a:t>tickersname</a:t>
+            </a:r>
+            <a:r>
+              <a:rPr lang="en-US" sz="900" dirty="0"/>
+              <a:t>&gt;</a:t>
+            </a:r>
+          </a:p>
+        </p:txBody>
+      </p:sp>
+      <p:sp>
+        <p:nvSpPr>
+          <p:cNvPr id="23" name="ZoneTexte 22">
+            <a:extLst>
+              <a:ext uri="{FF2B5EF4-FFF2-40B4-BE49-F238E27FC236}">
+                <a16:creationId xmlns:a16="http://schemas.microsoft.com/office/drawing/2014/main" id="{5306FCE3-4601-C553-63AA-5E2C1283550B}"/>
+              </a:ext>
+            </a:extLst>
+          </p:cNvPr>
+          <p:cNvSpPr txBox="1"/>
+          <p:nvPr/>
+        </p:nvSpPr>
+        <p:spPr>
+          <a:xfrm>
+            <a:off x="458462" y="3626416"/>
+            <a:ext cx="4056888" cy="276999"/>
+          </a:xfrm>
+          <a:prstGeom prst="rect">
+            <a:avLst/>
+          </a:prstGeom>
+          <a:noFill/>
+        </p:spPr>
+        <p:txBody>
+          <a:bodyPr wrap="square">
+            <a:spAutoFit/>
+          </a:bodyPr>
+          <a:lstStyle/>
+          <a:p>
+            <a:r>
+              <a:rPr lang="en-US" sz="1200" dirty="0">
+                <a:latin typeface="Futura PT" panose="020B0902020204020203" pitchFamily="34" charset="0"/>
+              </a:rPr>
+              <a:t>&lt;</a:t>
+            </a:r>
+            <a:r>
+              <a:rPr lang="en-US" sz="1200" dirty="0" err="1">
+                <a:latin typeface="Futura PT" panose="020B0902020204020203" pitchFamily="34" charset="0"/>
+              </a:rPr>
+              <a:t>tickersname</a:t>
+            </a:r>
+            <a:r>
+              <a:rPr lang="en-US" sz="1200" dirty="0">
+                <a:latin typeface="Futura PT" panose="020B0902020204020203" pitchFamily="34" charset="0"/>
+              </a:rPr>
+              <a:t>&gt;</a:t>
+            </a:r>
           </a:p>
         </p:txBody>
       </p:sp>
@@ -21185,7 +21200,24 @@
                 <a:ea typeface="+mn-ea"/>
                 <a:cs typeface="+mn-cs"/>
               </a:rPr>
-              <a:t>Les termes « capital » et « capital initial » utilisés dans cette brochure désignent la Valeur Nominale des titres de créance « &lt;NOM&gt; » soit 1 000 EUR multiplié par le nombre de titres. Le montant remboursé est brut, hors frais et fiscalité applicable au cadre d’investissement. Les taux de Rendement Annuel (« TRA ») sont nets de frais de gestion pour les contrats d’assurance vie/capitalisation ou net de droits de garde en compte-titres (en prenant comme hypothèse un taux de frais de gestion ou de droits de garde de 1,00% annuel), mais sans prise en compte des autres frais, de la fiscalité et des prélèvements sociaux applicables au cadre d’investissement. Ils sont calculés pour un investissement entre la </a:t>
+              <a:t>Les termes « capital » et « capital initial » utilisés dans cette brochure désignent la Valeur Nominale des titres de créance « &lt;NOM&gt; » soit 1 000 EUR multiplié par le nombre de titres. Le montant remboursé est brut, hors frais et fiscalité applicable au cadre d’investissement. Les taux de Rendement Annuel (« TRA ») sont nets de frais de gestion pour les contrats d’assurance vie/capitalisation ou net de droits de garde en compte-titres (en prenant comme hypothèse un taux de frais de gestion ou de droits de garde de 1,00% annuel), mais sans prise en compte des autres frais, de la fiscalité et des prélèvements sociaux applicables au cadre d’investissement. Ils sont calculés pour un investissement entre la &lt;</a:t>
+            </a:r>
+            <a:r>
+              <a:rPr kumimoji="0" lang="fr-FR" sz="800" b="0" i="0" u="none" strike="noStrike" kern="1200" cap="none" spc="0" normalizeH="0" baseline="0" noProof="0" dirty="0" err="1">
+                <a:ln>
+                  <a:noFill/>
+                </a:ln>
+                <a:solidFill>
+                  <a:schemeClr val="tx1"/>
+                </a:solidFill>
+                <a:effectLst/>
+                <a:uLnTx/>
+                <a:uFillTx/>
+                <a:latin typeface="Proxima Nova Rg"/>
+                <a:ea typeface="+mn-ea"/>
+                <a:cs typeface="+mn-cs"/>
+              </a:rPr>
+              <a:t>DDCI_M_B_Strike</a:t>
             </a:r>
             <a:r>
               <a:rPr kumimoji="0" lang="fr-FR" sz="800" b="0" i="0" u="none" strike="noStrike" kern="1200" cap="none" spc="0" normalizeH="0" baseline="0" noProof="0" dirty="0">
@@ -21196,33 +21228,13 @@
                   <a:schemeClr val="tx1"/>
                 </a:solidFill>
                 <a:effectLst/>
-                <a:highlight>
-                  <a:srgbClr val="FF00FF"/>
-                </a:highlight>
                 <a:uLnTx/>
                 <a:uFillTx/>
                 <a:latin typeface="Proxima Nova Rg"/>
                 <a:ea typeface="+mn-ea"/>
                 <a:cs typeface="+mn-cs"/>
               </a:rPr>
-              <a:t>&lt;dernière si strike moyen/best strike</a:t>
-            </a:r>
-            <a:r>
-              <a:rPr kumimoji="0" lang="fr-FR" sz="800" b="0" i="0" u="none" strike="noStrike" kern="1200" cap="none" spc="0" normalizeH="0" baseline="0" noProof="0" dirty="0">
-                <a:ln>
-                  <a:noFill/>
-                </a:ln>
-                <a:solidFill>
-                  <a:schemeClr val="tx1"/>
-                </a:solidFill>
-                <a:effectLst/>
-                <a:uLnTx/>
-                <a:uFillTx/>
-                <a:latin typeface="Proxima Nova Rg"/>
-                <a:ea typeface="+mn-ea"/>
-                <a:cs typeface="+mn-cs"/>
-              </a:rPr>
-              <a:t>&gt;date de constatation initiale</a:t>
+              <a:t>&gt; date de constatation initiale</a:t>
             </a:r>
             <a:r>
               <a:rPr lang="fr-FR" sz="800" baseline="30000" dirty="0">
@@ -26785,19 +26797,7 @@
           <a:p>
             <a:r>
               <a:rPr lang="fr-FR" sz="800" dirty="0"/>
-              <a:t>&lt;balisedeg2&gt; </a:t>
-            </a:r>
-            <a:r>
-              <a:rPr lang="fr-FR" sz="800" dirty="0">
-                <a:highlight>
-                  <a:srgbClr val="FF00FF"/>
-                </a:highlight>
-              </a:rPr>
-              <a:t>&lt;balisedeg3</a:t>
-            </a:r>
-            <a:r>
-              <a:rPr lang="fr-FR" sz="800" dirty="0"/>
-              <a:t>&gt;</a:t>
+              <a:t>&lt;balisedeg2&gt; &lt;balisedeg3&gt;</a:t>
             </a:r>
             <a:endParaRPr lang="en-US" sz="800" dirty="0"/>
           </a:p>
@@ -30115,38 +30115,7 @@
             </a:pPr>
             <a:r>
               <a:rPr lang="fr-FR" sz="800" dirty="0"/>
-              <a:t>par &lt;SJR1&gt; entre le </a:t>
-            </a:r>
-            <a:r>
-              <a:rPr lang="fr-FR" sz="800" dirty="0">
-                <a:solidFill>
-                  <a:schemeClr val="tx2"/>
-                </a:solidFill>
-              </a:rPr>
-              <a:t>&lt;N</a:t>
-            </a:r>
-            <a:r>
-              <a:rPr lang="fr-FR" sz="800" dirty="0">
-                <a:solidFill>
-                  <a:schemeClr val="tx2"/>
-                </a:solidFill>
-                <a:highlight>
-                  <a:srgbClr val="FF00FF"/>
-                </a:highlight>
-              </a:rPr>
-              <a:t>DR</a:t>
-            </a:r>
-            <a:r>
-              <a:rPr lang="fr-FR" sz="800" dirty="0">
-                <a:solidFill>
-                  <a:schemeClr val="tx2"/>
-                </a:solidFill>
-              </a:rPr>
-              <a:t>&gt; </a:t>
-            </a:r>
-            <a:r>
-              <a:rPr lang="fr-FR" sz="800" dirty="0"/>
-              <a:t>et son niveau de clôture le &lt;DCF&gt;</a:t>
+              <a:t>par &lt;SJR1&gt; entre le &lt;NDR&gt; et son niveau de clôture le &lt;DCF&gt;</a:t>
             </a:r>
           </a:p>
           <a:p>
@@ -30693,27 +30662,7 @@
             </a:pPr>
             <a:r>
               <a:rPr lang="fr-FR" sz="800" dirty="0"/>
-              <a:t>(Soit un Taux de Rendement Annuel net compris entre </a:t>
-            </a:r>
-            <a:r>
-              <a:rPr lang="fr-FR" sz="800" dirty="0">
-                <a:highlight>
-                  <a:srgbClr val="00FFFF"/>
-                </a:highlight>
-              </a:rPr>
-              <a:t>&lt;</a:t>
-            </a:r>
-            <a:r>
-              <a:rPr lang="fr-FR" sz="800" dirty="0"/>
-              <a:t>TRA.RM.P</a:t>
-            </a:r>
-            <a:r>
-              <a:rPr lang="fr-FR" sz="800" dirty="0">
-                <a:highlight>
-                  <a:srgbClr val="00FFFF"/>
-                </a:highlight>
-              </a:rPr>
-              <a:t>&gt;</a:t>
+              <a:t>(Soit un Taux de Rendement Annuel net compris entre &lt;TRA.RM.P&gt;</a:t>
             </a:r>
             <a:r>
               <a:rPr lang="fr-FR" sz="800" baseline="30000" dirty="0"/>
@@ -31764,26 +31713,7 @@
                   <a:srgbClr val="000000"/>
                 </a:solidFill>
               </a:rPr>
-              <a:t>et l’investisseur récupère alors l’intégralité de son capital initial, majorée d’un &lt;</a:t>
-            </a:r>
-            <a:r>
-              <a:rPr lang="fr-FR" sz="800" dirty="0">
-                <a:solidFill>
-                  <a:srgbClr val="000000"/>
-                </a:solidFill>
-                <a:highlight>
-                  <a:srgbClr val="FF00FF"/>
-                </a:highlight>
-              </a:rPr>
-              <a:t>GC</a:t>
-            </a:r>
-            <a:r>
-              <a:rPr lang="fr-FR" sz="800" dirty="0">
-                <a:solidFill>
-                  <a:srgbClr val="000000"/>
-                </a:solidFill>
-              </a:rPr>
-              <a:t>&gt; de &lt;CPN&gt; par &lt;F0&gt; &lt;F2&gt; depuis le &lt;DDCI&gt; (soit &lt;GCA&gt;</a:t>
+              <a:t>et l’investisseur récupère alors l’intégralité de son capital initial, majorée d’un &lt;GC&gt; de &lt;CPN&gt; par &lt;F0&gt; &lt;F2&gt; depuis le &lt;DDCI&gt; (soit &lt;GCA&gt;</a:t>
             </a:r>
             <a:r>
               <a:rPr lang="fr-FR" sz="800" i="1" dirty="0">
@@ -36209,6 +36139,15 @@
 </file>
 
 <file path=customXml/item1.xml><?xml version="1.0" encoding="utf-8"?>
+<?mso-contentType ?>
+<FormTemplates xmlns="http://schemas.microsoft.com/sharepoint/v3/contenttype/forms">
+  <Display>DocumentLibraryForm</Display>
+  <Edit>DocumentLibraryForm</Edit>
+  <New>DocumentLibraryForm</New>
+</FormTemplates>
+</file>
+
+<file path=customXml/item2.xml><?xml version="1.0" encoding="utf-8"?>
 <ct:contentTypeSchema xmlns:ct="http://schemas.microsoft.com/office/2006/metadata/contentType" xmlns:ma="http://schemas.microsoft.com/office/2006/metadata/properties/metaAttributes" ct:_="" ma:_="" ma:contentTypeName="Document" ma:contentTypeID="0x0101005DDE610BC516E448BB8152259F39635A" ma:contentTypeVersion="17" ma:contentTypeDescription="Crée un document." ma:contentTypeScope="" ma:versionID="bfb75e103009df80b8e5001438c41194">
   <xsd:schema xmlns:xsd="http://www.w3.org/2001/XMLSchema" xmlns:xs="http://www.w3.org/2001/XMLSchema" xmlns:p="http://schemas.microsoft.com/office/2006/metadata/properties" xmlns:ns2="ef624bc2-1644-4d69-8362-5c28ca496374" xmlns:ns3="514a554b-82b0-4359-b247-fc84018a95f0" targetNamespace="http://schemas.microsoft.com/office/2006/metadata/properties" ma:root="true" ma:fieldsID="2ae3df86d13efbb4a35042af2564d386" ns2:_="" ns3:_="">
     <xsd:import namespace="ef624bc2-1644-4d69-8362-5c28ca496374"/>
@@ -36457,15 +36396,6 @@
 </ct:contentTypeSchema>
 </file>
 
-<file path=customXml/item2.xml><?xml version="1.0" encoding="utf-8"?>
-<?mso-contentType ?>
-<FormTemplates xmlns="http://schemas.microsoft.com/sharepoint/v3/contenttype/forms">
-  <Display>DocumentLibraryForm</Display>
-  <Edit>DocumentLibraryForm</Edit>
-  <New>DocumentLibraryForm</New>
-</FormTemplates>
-</file>
-
 <file path=customXml/item3.xml><?xml version="1.0" encoding="utf-8"?>
 <p:properties xmlns:p="http://schemas.microsoft.com/office/2006/metadata/properties" xmlns:xsi="http://www.w3.org/2001/XMLSchema-instance" xmlns:pc="http://schemas.microsoft.com/office/infopath/2007/PartnerControls">
   <documentManagement>
@@ -36479,6 +36409,14 @@
 </file>
 
 <file path=customXml/itemProps1.xml><?xml version="1.0" encoding="utf-8"?>
+<ds:datastoreItem xmlns:ds="http://schemas.openxmlformats.org/officeDocument/2006/customXml" ds:itemID="{B00FC41E-FBDE-42E2-B58A-20EBD240A376}">
+  <ds:schemaRefs>
+    <ds:schemaRef ds:uri="http://schemas.microsoft.com/sharepoint/v3/contenttype/forms"/>
+  </ds:schemaRefs>
+</ds:datastoreItem>
+</file>
+
+<file path=customXml/itemProps2.xml><?xml version="1.0" encoding="utf-8"?>
 <ds:datastoreItem xmlns:ds="http://schemas.openxmlformats.org/officeDocument/2006/customXml" ds:itemID="{DE898DE2-83E7-42CE-B7CD-9C9DF4B16BA4}">
   <ds:schemaRefs>
     <ds:schemaRef ds:uri="http://schemas.microsoft.com/office/2006/metadata/contentType"/>
@@ -36493,14 +36431,6 @@
     <ds:schemaRef ds:uri="http://purl.org/dc/elements/1.1/"/>
     <ds:schemaRef ds:uri="http://purl.org/dc/terms/"/>
     <ds:schemaRef ds:uri="http://schemas.microsoft.com/internal/obd"/>
-  </ds:schemaRefs>
-</ds:datastoreItem>
-</file>
-
-<file path=customXml/itemProps2.xml><?xml version="1.0" encoding="utf-8"?>
-<ds:datastoreItem xmlns:ds="http://schemas.openxmlformats.org/officeDocument/2006/customXml" ds:itemID="{B00FC41E-FBDE-42E2-B58A-20EBD240A376}">
-  <ds:schemaRefs>
-    <ds:schemaRef ds:uri="http://schemas.microsoft.com/sharepoint/v3/contenttype/forms"/>
   </ds:schemaRefs>
 </ds:datastoreItem>
 </file>

--- a/Templates/morgan.pptx
+++ b/Templates/morgan.pptx
@@ -238,7 +238,7 @@
           <a:p>
             <a:fld id="{515CCE07-1711-4DC7-A7D8-7ED312C82FB8}" type="datetimeFigureOut">
               <a:rPr lang="fr-FR" smtClean="0"/>
-              <a:t>15/06/2022</a:t>
+              <a:t>17/06/2022</a:t>
             </a:fld>
             <a:endParaRPr lang="fr-FR"/>
           </a:p>
@@ -22075,7 +22075,7 @@
                 </a:solidFill>
                 <a:latin typeface="Proxima Nova Rg"/>
               </a:rPr>
-              <a:t> « &lt;NOM&gt; » ne peut constituer l’intégralité d’un portefeuille d’investissement. L’investisseur est exposé pour une durée de &lt;1PR&gt; à &lt;DPRR&gt; &lt;F0&gt;&lt;F0s&gt; à &lt;SJR1&gt;, et ne bénéficie pas de la diversification offerte par les indices de marchés actions. Vous êtes sur le point d’acheter un produit qui n’est pas simple et qui peut être difficile à comprendre.</a:t>
+              <a:t> « &lt;NOM&gt; » ne peut constituer l’intégralité d’un portefeuille d’investissement. L’investisseur est exposé pour une durée de &lt;1PR&gt; à &lt;DPRR&gt; &lt;F0&gt;&lt;F0s&gt; à &lt;SJR1&gt;&lt;DIVERSACTION&gt;. Vous êtes sur le point d’acheter un produit qui n’est pas simple et qui peut être difficile à comprendre.</a:t>
             </a:r>
           </a:p>
         </p:txBody>
@@ -22929,7 +22929,7 @@
         <p:spPr>
           <a:xfrm>
             <a:off x="458462" y="989819"/>
-            <a:ext cx="6741374" cy="2601738"/>
+            <a:ext cx="6741374" cy="2490938"/>
           </a:xfrm>
           <a:prstGeom prst="rect">
             <a:avLst/>
@@ -23936,7 +23936,7 @@
                 </a:solidFill>
                 <a:latin typeface="Proxima Nova Rg"/>
               </a:rPr>
-              <a:t> « &lt;NOM&gt; » ne peut constituer l’intégralité d’un portefeuille d’investissement. L’investisseur est exposé pour une durée de &lt;1PR&gt; à &lt;DPRR&gt; &lt;F0&gt;&lt;F0s&gt; à &lt;SJR1&gt;, et ne bénéficie pas de la diversification offerte par les indices de marchés actions. Vous êtes sur le point d’acheter un produit qui n’est pas simple et qui peut être difficile à comprendre.</a:t>
+              <a:t> « &lt;NOM&gt; » ne peut constituer l’intégralité d’un portefeuille d’investissement. L’investisseur est exposé pour une durée de &lt;1PR&gt; à &lt;DPRR&gt; &lt;F0&gt;&lt;F0s&gt; à &lt;SJR1&gt;&lt;DIVERSACTION&gt; Vous êtes sur le point d’acheter un produit qui n’est pas simple et qui peut être difficile à comprendre.</a:t>
             </a:r>
           </a:p>
           <a:p>
@@ -25542,7 +25542,7 @@
         <p:spPr>
           <a:xfrm>
             <a:off x="917672" y="8553774"/>
-            <a:ext cx="6073677" cy="246221"/>
+            <a:ext cx="6073677" cy="123111"/>
           </a:xfrm>
           <a:prstGeom prst="rect">
             <a:avLst/>
@@ -25586,7 +25586,23 @@
                   <a:schemeClr val="tx2"/>
                 </a:solidFill>
               </a:rPr>
-              <a:t>clôture à un &lt;SJR3&gt; strictement inférieur à &lt;PDI&gt; de son &lt;SJR3&gt; de Référence, l’investisseur reçoit, le &lt;DEC_MAJ&gt;</a:t>
+              <a:t>clôture à un &lt;SJR3&gt; strictement inférieur à &lt;PDI&gt; de </a:t>
+            </a:r>
+            <a:r>
+              <a:rPr lang="fr-FR" sz="800" b="1">
+                <a:solidFill>
+                  <a:schemeClr val="tx2"/>
+                </a:solidFill>
+              </a:rPr>
+              <a:t>son &lt;NDR&gt;, </a:t>
+            </a:r>
+            <a:r>
+              <a:rPr lang="fr-FR" sz="800" b="1" dirty="0">
+                <a:solidFill>
+                  <a:schemeClr val="tx2"/>
+                </a:solidFill>
+              </a:rPr>
+              <a:t>l’investisseur reçoit, le &lt;DEC_MAJ&gt;</a:t>
             </a:r>
           </a:p>
         </p:txBody>
@@ -36139,12 +36155,15 @@
 </file>
 
 <file path=customXml/item1.xml><?xml version="1.0" encoding="utf-8"?>
-<?mso-contentType ?>
-<FormTemplates xmlns="http://schemas.microsoft.com/sharepoint/v3/contenttype/forms">
-  <Display>DocumentLibraryForm</Display>
-  <Edit>DocumentLibraryForm</Edit>
-  <New>DocumentLibraryForm</New>
-</FormTemplates>
+<p:properties xmlns:p="http://schemas.microsoft.com/office/2006/metadata/properties" xmlns:xsi="http://www.w3.org/2001/XMLSchema-instance" xmlns:pc="http://schemas.microsoft.com/office/infopath/2007/PartnerControls">
+  <documentManagement>
+    <_Flow_SignoffStatus xmlns="ef624bc2-1644-4d69-8362-5c28ca496374" xsi:nil="true"/>
+    <TaxCatchAll xmlns="514a554b-82b0-4359-b247-fc84018a95f0" xsi:nil="true"/>
+    <lcf76f155ced4ddcb4097134ff3c332f xmlns="ef624bc2-1644-4d69-8362-5c28ca496374">
+      <Terms xmlns="http://schemas.microsoft.com/office/infopath/2007/PartnerControls"/>
+    </lcf76f155ced4ddcb4097134ff3c332f>
+  </documentManagement>
+</p:properties>
 </file>
 
 <file path=customXml/item2.xml><?xml version="1.0" encoding="utf-8"?>
@@ -36397,21 +36416,27 @@
 </file>
 
 <file path=customXml/item3.xml><?xml version="1.0" encoding="utf-8"?>
-<p:properties xmlns:p="http://schemas.microsoft.com/office/2006/metadata/properties" xmlns:xsi="http://www.w3.org/2001/XMLSchema-instance" xmlns:pc="http://schemas.microsoft.com/office/infopath/2007/PartnerControls">
-  <documentManagement>
-    <_Flow_SignoffStatus xmlns="ef624bc2-1644-4d69-8362-5c28ca496374" xsi:nil="true"/>
-    <TaxCatchAll xmlns="514a554b-82b0-4359-b247-fc84018a95f0" xsi:nil="true"/>
-    <lcf76f155ced4ddcb4097134ff3c332f xmlns="ef624bc2-1644-4d69-8362-5c28ca496374">
-      <Terms xmlns="http://schemas.microsoft.com/office/infopath/2007/PartnerControls"/>
-    </lcf76f155ced4ddcb4097134ff3c332f>
-  </documentManagement>
-</p:properties>
+<?mso-contentType ?>
+<FormTemplates xmlns="http://schemas.microsoft.com/sharepoint/v3/contenttype/forms">
+  <Display>DocumentLibraryForm</Display>
+  <Edit>DocumentLibraryForm</Edit>
+  <New>DocumentLibraryForm</New>
+</FormTemplates>
 </file>
 
 <file path=customXml/itemProps1.xml><?xml version="1.0" encoding="utf-8"?>
-<ds:datastoreItem xmlns:ds="http://schemas.openxmlformats.org/officeDocument/2006/customXml" ds:itemID="{B00FC41E-FBDE-42E2-B58A-20EBD240A376}">
+<ds:datastoreItem xmlns:ds="http://schemas.openxmlformats.org/officeDocument/2006/customXml" ds:itemID="{25DE574B-2CD2-4078-9BEA-2A14717D9698}">
   <ds:schemaRefs>
-    <ds:schemaRef ds:uri="http://schemas.microsoft.com/sharepoint/v3/contenttype/forms"/>
+    <ds:schemaRef ds:uri="514a554b-82b0-4359-b247-fc84018a95f0"/>
+    <ds:schemaRef ds:uri="ef624bc2-1644-4d69-8362-5c28ca496374"/>
+    <ds:schemaRef ds:uri="http://purl.org/dc/dcmitype/"/>
+    <ds:schemaRef ds:uri="http://purl.org/dc/elements/1.1/"/>
+    <ds:schemaRef ds:uri="http://purl.org/dc/terms/"/>
+    <ds:schemaRef ds:uri="http://schemas.microsoft.com/office/2006/documentManagement/types"/>
+    <ds:schemaRef ds:uri="http://schemas.microsoft.com/office/2006/metadata/properties"/>
+    <ds:schemaRef ds:uri="http://schemas.microsoft.com/office/infopath/2007/PartnerControls"/>
+    <ds:schemaRef ds:uri="http://schemas.openxmlformats.org/package/2006/metadata/core-properties"/>
+    <ds:schemaRef ds:uri="http://www.w3.org/XML/1998/namespace"/>
   </ds:schemaRefs>
 </ds:datastoreItem>
 </file>
@@ -36436,18 +36461,9 @@
 </file>
 
 <file path=customXml/itemProps3.xml><?xml version="1.0" encoding="utf-8"?>
-<ds:datastoreItem xmlns:ds="http://schemas.openxmlformats.org/officeDocument/2006/customXml" ds:itemID="{25DE574B-2CD2-4078-9BEA-2A14717D9698}">
+<ds:datastoreItem xmlns:ds="http://schemas.openxmlformats.org/officeDocument/2006/customXml" ds:itemID="{B00FC41E-FBDE-42E2-B58A-20EBD240A376}">
   <ds:schemaRefs>
-    <ds:schemaRef ds:uri="514a554b-82b0-4359-b247-fc84018a95f0"/>
-    <ds:schemaRef ds:uri="ef624bc2-1644-4d69-8362-5c28ca496374"/>
-    <ds:schemaRef ds:uri="http://purl.org/dc/dcmitype/"/>
-    <ds:schemaRef ds:uri="http://purl.org/dc/elements/1.1/"/>
-    <ds:schemaRef ds:uri="http://purl.org/dc/terms/"/>
-    <ds:schemaRef ds:uri="http://schemas.microsoft.com/office/2006/documentManagement/types"/>
-    <ds:schemaRef ds:uri="http://schemas.microsoft.com/office/2006/metadata/properties"/>
-    <ds:schemaRef ds:uri="http://schemas.microsoft.com/office/infopath/2007/PartnerControls"/>
-    <ds:schemaRef ds:uri="http://schemas.openxmlformats.org/package/2006/metadata/core-properties"/>
-    <ds:schemaRef ds:uri="http://www.w3.org/XML/1998/namespace"/>
+    <ds:schemaRef ds:uri="http://schemas.microsoft.com/sharepoint/v3/contenttype/forms"/>
   </ds:schemaRefs>
 </ds:datastoreItem>
 </file>
--- a/Templates/morgan.pptx
+++ b/Templates/morgan.pptx
@@ -238,7 +238,7 @@
           <a:p>
             <a:fld id="{515CCE07-1711-4DC7-A7D8-7ED312C82FB8}" type="datetimeFigureOut">
               <a:rPr lang="fr-FR" smtClean="0"/>
-              <a:t>17/06/2022</a:t>
+              <a:t>21/06/2022</a:t>
             </a:fld>
             <a:endParaRPr lang="fr-FR"/>
           </a:p>
@@ -6107,70 +6107,7 @@
                   <a:srgbClr val="FF00FF"/>
                 </a:highlight>
               </a:rPr>
-              <a:t>&lt;DDR1_MAJ_MIN&gt;</a:t>
-            </a:r>
-            <a:endParaRPr lang="fr-FR" sz="800" dirty="0">
-              <a:highlight>
-                <a:srgbClr val="FF00FF"/>
-              </a:highlight>
-            </a:endParaRPr>
-          </a:p>
-        </p:txBody>
-      </p:sp>
-      <p:sp>
-        <p:nvSpPr>
-          <p:cNvPr id="19" name="ZoneTexte 18">
-            <a:extLst>
-              <a:ext uri="{FF2B5EF4-FFF2-40B4-BE49-F238E27FC236}">
-                <a16:creationId xmlns:a16="http://schemas.microsoft.com/office/drawing/2014/main" id="{F430BCC1-AFEA-9CD5-2109-F2802CCF6A55}"/>
-              </a:ext>
-            </a:extLst>
-          </p:cNvPr>
-          <p:cNvSpPr txBox="1"/>
-          <p:nvPr/>
-        </p:nvSpPr>
-        <p:spPr>
-          <a:xfrm>
-            <a:off x="5417820" y="7967599"/>
-            <a:ext cx="1913222" cy="215444"/>
-          </a:xfrm>
-          <a:prstGeom prst="rect">
-            <a:avLst/>
-          </a:prstGeom>
-          <a:noFill/>
-        </p:spPr>
-        <p:txBody>
-          <a:bodyPr wrap="square" rtlCol="0">
-            <a:spAutoFit/>
-          </a:bodyPr>
-          <a:lstStyle/>
-          <a:p>
-            <a:r>
-              <a:rPr lang="fr-FR" sz="800" u="sng" dirty="0">
-                <a:highlight>
-                  <a:srgbClr val="FF00FF"/>
-                </a:highlight>
-              </a:rPr>
-              <a:t>Source :</a:t>
-            </a:r>
-            <a:r>
-              <a:rPr lang="fr-FR" sz="800" dirty="0">
-                <a:highlight>
-                  <a:srgbClr val="FF00FF"/>
-                </a:highlight>
-              </a:rPr>
-              <a:t> Bloomberg, le </a:t>
-            </a:r>
-            <a:r>
-              <a:rPr lang="fr-FR" sz="800" dirty="0">
-                <a:solidFill>
-                  <a:schemeClr val="tx2"/>
-                </a:solidFill>
-                <a:highlight>
-                  <a:srgbClr val="FF00FF"/>
-                </a:highlight>
-              </a:rPr>
-              <a:t>&lt;DDR1_MAJ&gt;</a:t>
+              <a:t>&lt;DDR1_MAJ_MIN&gt; </a:t>
             </a:r>
             <a:endParaRPr lang="fr-FR" sz="800" dirty="0">
               <a:highlight>
@@ -6272,55 +6209,6 @@
       </p:sp>
       <p:sp>
         <p:nvSpPr>
-          <p:cNvPr id="22" name="ZoneTexte 21">
-            <a:extLst>
-              <a:ext uri="{FF2B5EF4-FFF2-40B4-BE49-F238E27FC236}">
-                <a16:creationId xmlns:a16="http://schemas.microsoft.com/office/drawing/2014/main" id="{BD821271-F0D2-16DA-E9D8-13C9340158C3}"/>
-              </a:ext>
-            </a:extLst>
-          </p:cNvPr>
-          <p:cNvSpPr txBox="1"/>
-          <p:nvPr/>
-        </p:nvSpPr>
-        <p:spPr>
-          <a:xfrm>
-            <a:off x="1524761" y="8002768"/>
-            <a:ext cx="4056888" cy="230832"/>
-          </a:xfrm>
-          <a:prstGeom prst="rect">
-            <a:avLst/>
-          </a:prstGeom>
-          <a:noFill/>
-        </p:spPr>
-        <p:txBody>
-          <a:bodyPr wrap="square">
-            <a:spAutoFit/>
-          </a:bodyPr>
-          <a:lstStyle/>
-          <a:p>
-            <a:r>
-              <a:rPr lang="en-US" sz="900" dirty="0"/>
-              <a:t>&lt;</a:t>
-            </a:r>
-            <a:r>
-              <a:rPr lang="en-US" sz="900" b="0" dirty="0" err="1">
-                <a:solidFill>
-                  <a:srgbClr val="CE9178"/>
-                </a:solidFill>
-                <a:effectLst/>
-                <a:latin typeface="Consolas" panose="020B0609020204030204" pitchFamily="49" charset="0"/>
-              </a:rPr>
-              <a:t>tickersname</a:t>
-            </a:r>
-            <a:r>
-              <a:rPr lang="en-US" sz="900" dirty="0"/>
-              <a:t>&gt;</a:t>
-            </a:r>
-          </a:p>
-        </p:txBody>
-      </p:sp>
-      <p:sp>
-        <p:nvSpPr>
           <p:cNvPr id="23" name="ZoneTexte 22">
             <a:extLst>
               <a:ext uri="{FF2B5EF4-FFF2-40B4-BE49-F238E27FC236}">
@@ -6347,24 +6235,109 @@
           </a:bodyPr>
           <a:lstStyle/>
           <a:p>
-            <a:r>
-              <a:rPr lang="en-US" sz="1200" dirty="0">
+            <a:endParaRPr lang="en-US" sz="1200" dirty="0">
+              <a:latin typeface="Futura PT" panose="020B0902020204020203" pitchFamily="34" charset="0"/>
+            </a:endParaRPr>
+          </a:p>
+        </p:txBody>
+      </p:sp>
+      <p:sp>
+        <p:nvSpPr>
+          <p:cNvPr id="25" name="ZoneTexte 24">
+            <a:extLst>
+              <a:ext uri="{FF2B5EF4-FFF2-40B4-BE49-F238E27FC236}">
+                <a16:creationId xmlns:a16="http://schemas.microsoft.com/office/drawing/2014/main" id="{DD098B59-7A37-078A-BC1C-61CE3BED2F4E}"/>
+              </a:ext>
+            </a:extLst>
+          </p:cNvPr>
+          <p:cNvSpPr txBox="1"/>
+          <p:nvPr/>
+        </p:nvSpPr>
+        <p:spPr>
+          <a:xfrm>
+            <a:off x="458462" y="8984476"/>
+            <a:ext cx="4056888" cy="215444"/>
+          </a:xfrm>
+          <a:prstGeom prst="rect">
+            <a:avLst/>
+          </a:prstGeom>
+          <a:noFill/>
+        </p:spPr>
+        <p:txBody>
+          <a:bodyPr wrap="square">
+            <a:spAutoFit/>
+          </a:bodyPr>
+          <a:lstStyle/>
+          <a:p>
+            <a:r>
+              <a:rPr lang="en-US" sz="800" dirty="0">
                 <a:latin typeface="Futura PT" panose="020B0902020204020203" pitchFamily="34" charset="0"/>
               </a:rPr>
-              <a:t>&lt;</a:t>
-            </a:r>
-            <a:r>
-              <a:rPr lang="en-US" sz="1200" dirty="0" err="1">
-                <a:latin typeface="Futura PT" panose="020B0902020204020203" pitchFamily="34" charset="0"/>
-              </a:rPr>
-              <a:t>tickersname</a:t>
-            </a:r>
-            <a:r>
-              <a:rPr lang="en-US" sz="1200" dirty="0">
-                <a:latin typeface="Futura PT" panose="020B0902020204020203" pitchFamily="34" charset="0"/>
-              </a:rPr>
-              <a:t>&gt;</a:t>
-            </a:r>
+              <a:t>&lt;ticker&gt;</a:t>
+            </a:r>
+          </a:p>
+        </p:txBody>
+      </p:sp>
+      <p:sp>
+        <p:nvSpPr>
+          <p:cNvPr id="26" name="ZoneTexte 25">
+            <a:extLst>
+              <a:ext uri="{FF2B5EF4-FFF2-40B4-BE49-F238E27FC236}">
+                <a16:creationId xmlns:a16="http://schemas.microsoft.com/office/drawing/2014/main" id="{33414381-F560-BBC5-5064-46FA4625A4C3}"/>
+              </a:ext>
+            </a:extLst>
+          </p:cNvPr>
+          <p:cNvSpPr txBox="1"/>
+          <p:nvPr/>
+        </p:nvSpPr>
+        <p:spPr>
+          <a:xfrm>
+            <a:off x="5309473" y="7911729"/>
+            <a:ext cx="1913222" cy="338554"/>
+          </a:xfrm>
+          <a:prstGeom prst="rect">
+            <a:avLst/>
+          </a:prstGeom>
+          <a:noFill/>
+        </p:spPr>
+        <p:txBody>
+          <a:bodyPr wrap="square" rtlCol="0">
+            <a:spAutoFit/>
+          </a:bodyPr>
+          <a:lstStyle/>
+          <a:p>
+            <a:r>
+              <a:rPr lang="fr-FR" sz="800" u="sng" dirty="0">
+                <a:highlight>
+                  <a:srgbClr val="FF00FF"/>
+                </a:highlight>
+              </a:rPr>
+              <a:t>Source :</a:t>
+            </a:r>
+            <a:r>
+              <a:rPr lang="fr-FR" sz="800" dirty="0">
+                <a:highlight>
+                  <a:srgbClr val="FF00FF"/>
+                </a:highlight>
+              </a:rPr>
+              <a:t> Bloomberg, le </a:t>
+            </a:r>
+            <a:r>
+              <a:rPr lang="fr-FR" sz="800" dirty="0">
+                <a:solidFill>
+                  <a:schemeClr val="tx2"/>
+                </a:solidFill>
+                <a:highlight>
+                  <a:srgbClr val="FF00FF"/>
+                </a:highlight>
+              </a:rPr>
+              <a:t>&lt;DDR1_MAJ_MIN&gt; </a:t>
+            </a:r>
+            <a:endParaRPr lang="fr-FR" sz="800" dirty="0">
+              <a:highlight>
+                <a:srgbClr val="FF00FF"/>
+              </a:highlight>
+            </a:endParaRPr>
           </a:p>
         </p:txBody>
       </p:sp>
@@ -6538,7 +6511,7 @@
           <p:nvPr>
             <p:extLst>
               <p:ext uri="{D42A27DB-BD31-4B8C-83A1-F6EECF244321}">
-                <p14:modId xmlns:p14="http://schemas.microsoft.com/office/powerpoint/2010/main" val="754839707"/>
+                <p14:modId xmlns:p14="http://schemas.microsoft.com/office/powerpoint/2010/main" val="1831764276"/>
               </p:ext>
             </p:extLst>
           </p:nvPr>
@@ -9624,6 +9597,20 @@
                         <a:defRPr/>
                       </a:pPr>
                       <a:r>
+                        <a:rPr lang="fr-FR" sz="700" b="0" i="0" kern="1200" dirty="0">
+                          <a:solidFill>
+                            <a:schemeClr val="tx1"/>
+                          </a:solidFill>
+                          <a:highlight>
+                            <a:srgbClr val="00FFFF"/>
+                          </a:highlight>
+                          <a:latin typeface="+mn-lt"/>
+                          <a:ea typeface="+mn-ea"/>
+                          <a:cs typeface="+mn-cs"/>
+                        </a:rPr>
+                        <a:t>&lt;Datesconstatations1</a:t>
+                      </a:r>
+                      <a:r>
                         <a:rPr lang="fr-FR" sz="700" b="0" i="0" kern="1200">
                           <a:solidFill>
                             <a:schemeClr val="tx1"/>
@@ -9635,7 +9622,7 @@
                           <a:ea typeface="+mn-ea"/>
                           <a:cs typeface="+mn-cs"/>
                         </a:rPr>
-                        <a:t>&lt;Datesconstatations1&gt;</a:t>
+                        <a:t>&gt;(finale).</a:t>
                       </a:r>
                       <a:endParaRPr lang="fr-FR" sz="700" b="0" i="0" kern="1200" dirty="0">
                         <a:solidFill>
@@ -31635,7 +31622,7 @@
         <p:spPr>
           <a:xfrm>
             <a:off x="361950" y="960898"/>
-            <a:ext cx="6837887" cy="5714898"/>
+            <a:ext cx="6837887" cy="6373027"/>
           </a:xfrm>
           <a:prstGeom prst="rect">
             <a:avLst/>
@@ -32341,25 +32328,9 @@
                 <a:effectLst/>
                 <a:ea typeface="Calibri" panose="020F0502020204030204" pitchFamily="34" charset="0"/>
               </a:rPr>
-              <a:t>.</a:t>
-            </a:r>
-          </a:p>
-          <a:p>
-            <a:pPr marL="171450" indent="-171450" algn="just">
-              <a:lnSpc>
-                <a:spcPct val="92000"/>
-              </a:lnSpc>
-              <a:spcBef>
-                <a:spcPts val="200"/>
-              </a:spcBef>
-              <a:spcAft>
-                <a:spcPts val="200"/>
-              </a:spcAft>
-              <a:buFont typeface="Arial" panose="020B0604020202020204" pitchFamily="34" charset="0"/>
-              <a:buChar char="•"/>
-            </a:pPr>
+              <a:t>. </a:t>
+            </a:r>
             <a:endParaRPr lang="fr-FR" sz="800" b="1" dirty="0">
-              <a:effectLst/>
               <a:ea typeface="Calibri" panose="020F0502020204030204" pitchFamily="34" charset="0"/>
             </a:endParaRPr>
           </a:p>
@@ -32377,30 +32348,103 @@
               <a:buFont typeface="Arial" panose="020B0604020202020204" pitchFamily="34" charset="0"/>
               <a:buChar char="•"/>
             </a:pPr>
+            <a:endParaRPr lang="fr-FR" sz="800" b="1" dirty="0">
+              <a:solidFill>
+                <a:srgbClr val="000000"/>
+              </a:solidFill>
+            </a:endParaRPr>
+          </a:p>
+          <a:p>
+            <a:pPr marL="171450" indent="-171450" algn="just">
+              <a:lnSpc>
+                <a:spcPct val="92000"/>
+              </a:lnSpc>
+              <a:spcBef>
+                <a:spcPts val="200"/>
+              </a:spcBef>
+              <a:spcAft>
+                <a:spcPts val="200"/>
+              </a:spcAft>
+              <a:buFont typeface="Arial" panose="020B0604020202020204" pitchFamily="34" charset="0"/>
+              <a:buChar char="•"/>
+            </a:pPr>
             <a:r>
               <a:rPr lang="fr-FR" sz="800" dirty="0">
                 <a:solidFill>
                   <a:srgbClr val="000000"/>
                 </a:solidFill>
               </a:rPr>
-              <a:t>&lt;</a:t>
-            </a:r>
-            <a:r>
-              <a:rPr lang="fr-FR" sz="800" dirty="0" err="1">
-                <a:solidFill>
-                  <a:srgbClr val="000000"/>
-                </a:solidFill>
-              </a:rPr>
-              <a:t>inconv</a:t>
-            </a:r>
-            <a:r>
-              <a:rPr lang="fr-FR" sz="800" dirty="0">
-                <a:solidFill>
-                  <a:srgbClr val="000000"/>
-                </a:solidFill>
-              </a:rPr>
-              <a:t>&gt;.</a:t>
-            </a:r>
+              <a:t>&lt;inconvénient&gt;</a:t>
+            </a:r>
+            <a:endParaRPr lang="fr-FR" sz="800" dirty="0">
+              <a:solidFill>
+                <a:srgbClr val="000000"/>
+              </a:solidFill>
+              <a:highlight>
+                <a:srgbClr val="FFFF00"/>
+              </a:highlight>
+            </a:endParaRPr>
+          </a:p>
+          <a:p>
+            <a:pPr marL="171450" indent="-171450" algn="just">
+              <a:lnSpc>
+                <a:spcPct val="92000"/>
+              </a:lnSpc>
+              <a:spcBef>
+                <a:spcPts val="200"/>
+              </a:spcBef>
+              <a:spcAft>
+                <a:spcPts val="200"/>
+              </a:spcAft>
+              <a:buFont typeface="Arial" panose="020B0604020202020204" pitchFamily="34" charset="0"/>
+              <a:buChar char="•"/>
+            </a:pPr>
+            <a:endParaRPr lang="fr-FR" sz="800" dirty="0">
+              <a:solidFill>
+                <a:srgbClr val="000000"/>
+              </a:solidFill>
+              <a:highlight>
+                <a:srgbClr val="FFFF00"/>
+              </a:highlight>
+            </a:endParaRPr>
+          </a:p>
+          <a:p>
+            <a:pPr marL="171450" indent="-171450" algn="just">
+              <a:lnSpc>
+                <a:spcPct val="92000"/>
+              </a:lnSpc>
+              <a:spcBef>
+                <a:spcPts val="200"/>
+              </a:spcBef>
+              <a:spcAft>
+                <a:spcPts val="200"/>
+              </a:spcAft>
+              <a:buFont typeface="Arial" panose="020B0604020202020204" pitchFamily="34" charset="0"/>
+              <a:buChar char="•"/>
+            </a:pPr>
+            <a:endParaRPr lang="fr-FR" sz="800" dirty="0">
+              <a:solidFill>
+                <a:srgbClr val="000000"/>
+              </a:solidFill>
+              <a:highlight>
+                <a:srgbClr val="FFFF00"/>
+              </a:highlight>
+            </a:endParaRPr>
+          </a:p>
+          <a:p>
+            <a:pPr marL="171450" indent="-171450" algn="just">
+              <a:lnSpc>
+                <a:spcPct val="92000"/>
+              </a:lnSpc>
+              <a:spcBef>
+                <a:spcPts val="200"/>
+              </a:spcBef>
+              <a:spcAft>
+                <a:spcPts val="200"/>
+              </a:spcAft>
+              <a:buFont typeface="Arial" panose="020B0604020202020204" pitchFamily="34" charset="0"/>
+              <a:buChar char="•"/>
+            </a:pPr>
             <a:endParaRPr lang="fr-FR" sz="800" dirty="0">
               <a:solidFill>
                 <a:srgbClr val="000000"/>
@@ -32858,7 +32902,7 @@
         <p:spPr>
           <a:xfrm>
             <a:off x="359839" y="960898"/>
-            <a:ext cx="6839998" cy="6003438"/>
+            <a:ext cx="6839998" cy="6332503"/>
           </a:xfrm>
           <a:prstGeom prst="rect">
             <a:avLst/>
@@ -33701,24 +33745,54 @@
                   <a:srgbClr val="000000"/>
                 </a:solidFill>
               </a:rPr>
-              <a:t>&lt;</a:t>
-            </a:r>
-            <a:r>
-              <a:rPr lang="fr-FR" sz="800" dirty="0" err="1">
-                <a:solidFill>
-                  <a:srgbClr val="000000"/>
-                </a:solidFill>
-              </a:rPr>
-              <a:t>inconv</a:t>
-            </a:r>
-            <a:r>
-              <a:rPr lang="fr-FR" sz="800" dirty="0">
-                <a:solidFill>
-                  <a:srgbClr val="000000"/>
-                </a:solidFill>
-              </a:rPr>
-              <a:t>&gt;.</a:t>
-            </a:r>
+              <a:t>&lt;inconvénient&gt;</a:t>
+            </a:r>
+            <a:endParaRPr lang="fr-FR" sz="800" dirty="0">
+              <a:solidFill>
+                <a:srgbClr val="000000"/>
+              </a:solidFill>
+              <a:highlight>
+                <a:srgbClr val="FFFF00"/>
+              </a:highlight>
+            </a:endParaRPr>
+          </a:p>
+          <a:p>
+            <a:pPr marL="171450" indent="-171450" algn="just">
+              <a:lnSpc>
+                <a:spcPct val="92000"/>
+              </a:lnSpc>
+              <a:spcBef>
+                <a:spcPts val="200"/>
+              </a:spcBef>
+              <a:spcAft>
+                <a:spcPts val="200"/>
+              </a:spcAft>
+              <a:buFont typeface="Arial" panose="020B0604020202020204" pitchFamily="34" charset="0"/>
+              <a:buChar char="•"/>
+            </a:pPr>
+            <a:endParaRPr lang="fr-FR" sz="800" dirty="0">
+              <a:solidFill>
+                <a:srgbClr val="000000"/>
+              </a:solidFill>
+              <a:highlight>
+                <a:srgbClr val="FFFF00"/>
+              </a:highlight>
+            </a:endParaRPr>
+          </a:p>
+          <a:p>
+            <a:pPr marL="171450" indent="-171450" algn="just">
+              <a:lnSpc>
+                <a:spcPct val="92000"/>
+              </a:lnSpc>
+              <a:spcBef>
+                <a:spcPts val="200"/>
+              </a:spcBef>
+              <a:spcAft>
+                <a:spcPts val="200"/>
+              </a:spcAft>
+              <a:buFont typeface="Arial" panose="020B0604020202020204" pitchFamily="34" charset="0"/>
+              <a:buChar char="•"/>
+            </a:pPr>
             <a:endParaRPr lang="fr-FR" sz="800" dirty="0">
               <a:solidFill>
                 <a:srgbClr val="000000"/>
@@ -36155,18 +36229,6 @@
 </file>
 
 <file path=customXml/item1.xml><?xml version="1.0" encoding="utf-8"?>
-<p:properties xmlns:p="http://schemas.microsoft.com/office/2006/metadata/properties" xmlns:xsi="http://www.w3.org/2001/XMLSchema-instance" xmlns:pc="http://schemas.microsoft.com/office/infopath/2007/PartnerControls">
-  <documentManagement>
-    <_Flow_SignoffStatus xmlns="ef624bc2-1644-4d69-8362-5c28ca496374" xsi:nil="true"/>
-    <TaxCatchAll xmlns="514a554b-82b0-4359-b247-fc84018a95f0" xsi:nil="true"/>
-    <lcf76f155ced4ddcb4097134ff3c332f xmlns="ef624bc2-1644-4d69-8362-5c28ca496374">
-      <Terms xmlns="http://schemas.microsoft.com/office/infopath/2007/PartnerControls"/>
-    </lcf76f155ced4ddcb4097134ff3c332f>
-  </documentManagement>
-</p:properties>
-</file>
-
-<file path=customXml/item2.xml><?xml version="1.0" encoding="utf-8"?>
 <ct:contentTypeSchema xmlns:ct="http://schemas.microsoft.com/office/2006/metadata/contentType" xmlns:ma="http://schemas.microsoft.com/office/2006/metadata/properties/metaAttributes" ct:_="" ma:_="" ma:contentTypeName="Document" ma:contentTypeID="0x0101005DDE610BC516E448BB8152259F39635A" ma:contentTypeVersion="17" ma:contentTypeDescription="Crée un document." ma:contentTypeScope="" ma:versionID="bfb75e103009df80b8e5001438c41194">
   <xsd:schema xmlns:xsd="http://www.w3.org/2001/XMLSchema" xmlns:xs="http://www.w3.org/2001/XMLSchema" xmlns:p="http://schemas.microsoft.com/office/2006/metadata/properties" xmlns:ns2="ef624bc2-1644-4d69-8362-5c28ca496374" xmlns:ns3="514a554b-82b0-4359-b247-fc84018a95f0" targetNamespace="http://schemas.microsoft.com/office/2006/metadata/properties" ma:root="true" ma:fieldsID="2ae3df86d13efbb4a35042af2564d386" ns2:_="" ns3:_="">
     <xsd:import namespace="ef624bc2-1644-4d69-8362-5c28ca496374"/>
@@ -36415,7 +36477,7 @@
 </ct:contentTypeSchema>
 </file>
 
-<file path=customXml/item3.xml><?xml version="1.0" encoding="utf-8"?>
+<file path=customXml/item2.xml><?xml version="1.0" encoding="utf-8"?>
 <?mso-contentType ?>
 <FormTemplates xmlns="http://schemas.microsoft.com/sharepoint/v3/contenttype/forms">
   <Display>DocumentLibraryForm</Display>
@@ -36424,24 +36486,19 @@
 </FormTemplates>
 </file>
 
-<file path=customXml/itemProps1.xml><?xml version="1.0" encoding="utf-8"?>
-<ds:datastoreItem xmlns:ds="http://schemas.openxmlformats.org/officeDocument/2006/customXml" ds:itemID="{25DE574B-2CD2-4078-9BEA-2A14717D9698}">
-  <ds:schemaRefs>
-    <ds:schemaRef ds:uri="514a554b-82b0-4359-b247-fc84018a95f0"/>
-    <ds:schemaRef ds:uri="ef624bc2-1644-4d69-8362-5c28ca496374"/>
-    <ds:schemaRef ds:uri="http://purl.org/dc/dcmitype/"/>
-    <ds:schemaRef ds:uri="http://purl.org/dc/elements/1.1/"/>
-    <ds:schemaRef ds:uri="http://purl.org/dc/terms/"/>
-    <ds:schemaRef ds:uri="http://schemas.microsoft.com/office/2006/documentManagement/types"/>
-    <ds:schemaRef ds:uri="http://schemas.microsoft.com/office/2006/metadata/properties"/>
-    <ds:schemaRef ds:uri="http://schemas.microsoft.com/office/infopath/2007/PartnerControls"/>
-    <ds:schemaRef ds:uri="http://schemas.openxmlformats.org/package/2006/metadata/core-properties"/>
-    <ds:schemaRef ds:uri="http://www.w3.org/XML/1998/namespace"/>
-  </ds:schemaRefs>
-</ds:datastoreItem>
+<file path=customXml/item3.xml><?xml version="1.0" encoding="utf-8"?>
+<p:properties xmlns:p="http://schemas.microsoft.com/office/2006/metadata/properties" xmlns:xsi="http://www.w3.org/2001/XMLSchema-instance" xmlns:pc="http://schemas.microsoft.com/office/infopath/2007/PartnerControls">
+  <documentManagement>
+    <_Flow_SignoffStatus xmlns="ef624bc2-1644-4d69-8362-5c28ca496374" xsi:nil="true"/>
+    <TaxCatchAll xmlns="514a554b-82b0-4359-b247-fc84018a95f0" xsi:nil="true"/>
+    <lcf76f155ced4ddcb4097134ff3c332f xmlns="ef624bc2-1644-4d69-8362-5c28ca496374">
+      <Terms xmlns="http://schemas.microsoft.com/office/infopath/2007/PartnerControls"/>
+    </lcf76f155ced4ddcb4097134ff3c332f>
+  </documentManagement>
+</p:properties>
 </file>
 
-<file path=customXml/itemProps2.xml><?xml version="1.0" encoding="utf-8"?>
+<file path=customXml/itemProps1.xml><?xml version="1.0" encoding="utf-8"?>
 <ds:datastoreItem xmlns:ds="http://schemas.openxmlformats.org/officeDocument/2006/customXml" ds:itemID="{DE898DE2-83E7-42CE-B7CD-9C9DF4B16BA4}">
   <ds:schemaRefs>
     <ds:schemaRef ds:uri="http://schemas.microsoft.com/office/2006/metadata/contentType"/>
@@ -36460,10 +36517,27 @@
 </ds:datastoreItem>
 </file>
 
-<file path=customXml/itemProps3.xml><?xml version="1.0" encoding="utf-8"?>
+<file path=customXml/itemProps2.xml><?xml version="1.0" encoding="utf-8"?>
 <ds:datastoreItem xmlns:ds="http://schemas.openxmlformats.org/officeDocument/2006/customXml" ds:itemID="{B00FC41E-FBDE-42E2-B58A-20EBD240A376}">
   <ds:schemaRefs>
     <ds:schemaRef ds:uri="http://schemas.microsoft.com/sharepoint/v3/contenttype/forms"/>
   </ds:schemaRefs>
 </ds:datastoreItem>
+</file>
+
+<file path=customXml/itemProps3.xml><?xml version="1.0" encoding="utf-8"?>
+<ds:datastoreItem xmlns:ds="http://schemas.openxmlformats.org/officeDocument/2006/customXml" ds:itemID="{25DE574B-2CD2-4078-9BEA-2A14717D9698}">
+  <ds:schemaRefs>
+    <ds:schemaRef ds:uri="514a554b-82b0-4359-b247-fc84018a95f0"/>
+    <ds:schemaRef ds:uri="ef624bc2-1644-4d69-8362-5c28ca496374"/>
+    <ds:schemaRef ds:uri="http://purl.org/dc/dcmitype/"/>
+    <ds:schemaRef ds:uri="http://purl.org/dc/elements/1.1/"/>
+    <ds:schemaRef ds:uri="http://purl.org/dc/terms/"/>
+    <ds:schemaRef ds:uri="http://schemas.microsoft.com/office/2006/documentManagement/types"/>
+    <ds:schemaRef ds:uri="http://schemas.microsoft.com/office/2006/metadata/properties"/>
+    <ds:schemaRef ds:uri="http://schemas.microsoft.com/office/infopath/2007/PartnerControls"/>
+    <ds:schemaRef ds:uri="http://schemas.openxmlformats.org/package/2006/metadata/core-properties"/>
+    <ds:schemaRef ds:uri="http://www.w3.org/XML/1998/namespace"/>
+  </ds:schemaRefs>
+</ds:datastoreItem>
 </file>
--- a/Templates/morgan.pptx
+++ b/Templates/morgan.pptx
@@ -238,7 +238,7 @@
           <a:p>
             <a:fld id="{515CCE07-1711-4DC7-A7D8-7ED312C82FB8}" type="datetimeFigureOut">
               <a:rPr lang="fr-FR" smtClean="0"/>
-              <a:t>21/06/2022</a:t>
+              <a:t>28/06/2022</a:t>
             </a:fld>
             <a:endParaRPr lang="fr-FR"/>
           </a:p>
@@ -21966,58 +21966,16 @@
                 <a:ea typeface="+mn-ea"/>
                 <a:cs typeface="+mn-cs"/>
               </a:rPr>
-              <a:t>: En acceptant de limiter leurs gains à &lt;CPN&gt; par &lt;F0&gt; écoulé (soit un Taux de Rendement Annuel net maximum de &lt;TRA.F.A&gt;%), les investisseurs recevront en contrepartie l’intégralité du capital initial si &lt;SJR1&gt; ne baisse pas de plus de </a:t>
-            </a:r>
-            <a:r>
-              <a:rPr kumimoji="0" lang="fr-FR" sz="800" b="0" i="0" u="none" strike="noStrike" kern="1200" cap="none" spc="0" normalizeH="0" baseline="0" noProof="0" dirty="0">
-                <a:ln>
-                  <a:noFill/>
-                </a:ln>
+              <a:t>: En acceptant de limiter leurs gains à &lt;CPN&gt; par &lt;F0&gt; écoulé (soit un Taux de Rendement Annuel net maximum de &lt;TRA.F.A&gt;), les investisseurs recevront en contrepartie l’intégralité du capital initial si &lt;SJR1&gt; ne baisse pas de plus de &lt;</a:t>
+            </a:r>
+            <a:r>
+              <a:rPr lang="fr-FR" sz="800" dirty="0">
                 <a:solidFill>
                   <a:schemeClr val="tx1"/>
                 </a:solidFill>
-                <a:effectLst/>
-                <a:highlight>
-                  <a:srgbClr val="FFFF00"/>
-                </a:highlight>
-                <a:uLnTx/>
-                <a:uFillTx/>
                 <a:latin typeface="Proxima Nova Rg"/>
-                <a:ea typeface="+mn-ea"/>
-                <a:cs typeface="+mn-cs"/>
-              </a:rPr>
-              <a:t>&lt;</a:t>
-            </a:r>
-            <a:r>
-              <a:rPr lang="fr-FR" sz="800" dirty="0">
-                <a:solidFill>
-                  <a:srgbClr val="000000"/>
-                </a:solidFill>
-                <a:highlight>
-                  <a:srgbClr val="FFFF00"/>
-                </a:highlight>
-              </a:rPr>
-              <a:t>PDIPERF&gt;</a:t>
-            </a:r>
-            <a:r>
-              <a:rPr kumimoji="0" lang="fr-FR" sz="800" b="0" i="0" u="none" strike="noStrike" kern="1200" cap="none" spc="0" normalizeH="0" baseline="0" noProof="0" dirty="0">
-                <a:ln>
-                  <a:noFill/>
-                </a:ln>
-                <a:solidFill>
-                  <a:schemeClr val="tx1"/>
-                </a:solidFill>
-                <a:effectLst/>
-                <a:highlight>
-                  <a:srgbClr val="FFFF00"/>
-                </a:highlight>
-                <a:uLnTx/>
-                <a:uFillTx/>
-                <a:latin typeface="Proxima Nova Rg"/>
-                <a:ea typeface="+mn-ea"/>
-                <a:cs typeface="+mn-cs"/>
-              </a:rPr>
-              <a:t> </a:t>
+              </a:rPr>
+              <a:t>PDIPERF&gt; </a:t>
             </a:r>
             <a:r>
               <a:rPr kumimoji="0" lang="fr-FR" sz="800" b="0" i="0" u="none" strike="noStrike" kern="1200" cap="none" spc="0" normalizeH="0" baseline="0" noProof="0" dirty="0">
@@ -26800,7 +26758,7 @@
           <a:p>
             <a:r>
               <a:rPr lang="fr-FR" sz="800" dirty="0"/>
-              <a:t>&lt;balisedeg2&gt; &lt;balisedeg3&gt;</a:t>
+              <a:t>&lt;balisedeg3&gt;</a:t>
             </a:r>
             <a:endParaRPr lang="en-US" sz="800" dirty="0"/>
           </a:p>
@@ -35267,7 +35225,24 @@
                 </a:solidFill>
                 <a:latin typeface="Proxima Nova Rg" panose="02000506030000020004" pitchFamily="2" charset="0"/>
               </a:rPr>
-              <a:t>un &lt;SJR3&gt; supérieur à &lt;ABAC&gt; &lt;ABAC&gt; </a:t>
+              <a:t>un &lt;SJR3</a:t>
+            </a:r>
+            <a:r>
+              <a:rPr lang="fr-FR" sz="800">
+                <a:solidFill>
+                  <a:schemeClr val="tx2"/>
+                </a:solidFill>
+                <a:latin typeface="Proxima Nova Rg" panose="02000506030000020004" pitchFamily="2" charset="0"/>
+              </a:rPr>
+              <a:t>&gt; supérieur à &lt;ABAC&gt; </a:t>
+            </a:r>
+            <a:r>
+              <a:rPr lang="fr-FR" sz="800">
+                <a:solidFill>
+                  <a:schemeClr val="tx2"/>
+                </a:solidFill>
+              </a:rPr>
+              <a:t>(&lt;</a:t>
             </a:r>
             <a:r>
               <a:rPr lang="fr-FR" sz="800" dirty="0">
@@ -35275,7 +35250,7 @@
                   <a:schemeClr val="tx2"/>
                 </a:solidFill>
               </a:rPr>
-              <a:t>(&lt;NSF&gt; dans cet exemple). Le produit est automatiquement remboursé par anticipation. Il verse alors l’intégralité du capital initial majorée d’un &lt;GC&gt; de &lt;CPN&gt; par &lt;F0&gt; &lt;F2&gt; depuis le &lt;DDCI&gt;, soit un gain de &lt;GCA&gt; dans notre exemple.</a:t>
+              <a:t>NSF&gt; dans cet exemple). Le produit est automatiquement remboursé par anticipation. Il verse alors l’intégralité du capital initial majorée d’un &lt;GC&gt; de &lt;CPN&gt; par &lt;F0&gt; &lt;F2&gt; depuis le &lt;DDCI&gt;, soit un gain de &lt;GCA&gt; dans notre exemple.</a:t>
             </a:r>
           </a:p>
           <a:p>
@@ -36229,6 +36204,15 @@
 </file>
 
 <file path=customXml/item1.xml><?xml version="1.0" encoding="utf-8"?>
+<?mso-contentType ?>
+<FormTemplates xmlns="http://schemas.microsoft.com/sharepoint/v3/contenttype/forms">
+  <Display>DocumentLibraryForm</Display>
+  <Edit>DocumentLibraryForm</Edit>
+  <New>DocumentLibraryForm</New>
+</FormTemplates>
+</file>
+
+<file path=customXml/item2.xml><?xml version="1.0" encoding="utf-8"?>
 <ct:contentTypeSchema xmlns:ct="http://schemas.microsoft.com/office/2006/metadata/contentType" xmlns:ma="http://schemas.microsoft.com/office/2006/metadata/properties/metaAttributes" ct:_="" ma:_="" ma:contentTypeName="Document" ma:contentTypeID="0x0101005DDE610BC516E448BB8152259F39635A" ma:contentTypeVersion="17" ma:contentTypeDescription="Crée un document." ma:contentTypeScope="" ma:versionID="bfb75e103009df80b8e5001438c41194">
   <xsd:schema xmlns:xsd="http://www.w3.org/2001/XMLSchema" xmlns:xs="http://www.w3.org/2001/XMLSchema" xmlns:p="http://schemas.microsoft.com/office/2006/metadata/properties" xmlns:ns2="ef624bc2-1644-4d69-8362-5c28ca496374" xmlns:ns3="514a554b-82b0-4359-b247-fc84018a95f0" targetNamespace="http://schemas.microsoft.com/office/2006/metadata/properties" ma:root="true" ma:fieldsID="2ae3df86d13efbb4a35042af2564d386" ns2:_="" ns3:_="">
     <xsd:import namespace="ef624bc2-1644-4d69-8362-5c28ca496374"/>
@@ -36477,15 +36461,6 @@
 </ct:contentTypeSchema>
 </file>
 
-<file path=customXml/item2.xml><?xml version="1.0" encoding="utf-8"?>
-<?mso-contentType ?>
-<FormTemplates xmlns="http://schemas.microsoft.com/sharepoint/v3/contenttype/forms">
-  <Display>DocumentLibraryForm</Display>
-  <Edit>DocumentLibraryForm</Edit>
-  <New>DocumentLibraryForm</New>
-</FormTemplates>
-</file>
-
 <file path=customXml/item3.xml><?xml version="1.0" encoding="utf-8"?>
 <p:properties xmlns:p="http://schemas.microsoft.com/office/2006/metadata/properties" xmlns:xsi="http://www.w3.org/2001/XMLSchema-instance" xmlns:pc="http://schemas.microsoft.com/office/infopath/2007/PartnerControls">
   <documentManagement>
@@ -36499,6 +36474,14 @@
 </file>
 
 <file path=customXml/itemProps1.xml><?xml version="1.0" encoding="utf-8"?>
+<ds:datastoreItem xmlns:ds="http://schemas.openxmlformats.org/officeDocument/2006/customXml" ds:itemID="{B00FC41E-FBDE-42E2-B58A-20EBD240A376}">
+  <ds:schemaRefs>
+    <ds:schemaRef ds:uri="http://schemas.microsoft.com/sharepoint/v3/contenttype/forms"/>
+  </ds:schemaRefs>
+</ds:datastoreItem>
+</file>
+
+<file path=customXml/itemProps2.xml><?xml version="1.0" encoding="utf-8"?>
 <ds:datastoreItem xmlns:ds="http://schemas.openxmlformats.org/officeDocument/2006/customXml" ds:itemID="{DE898DE2-83E7-42CE-B7CD-9C9DF4B16BA4}">
   <ds:schemaRefs>
     <ds:schemaRef ds:uri="http://schemas.microsoft.com/office/2006/metadata/contentType"/>
@@ -36513,14 +36496,6 @@
     <ds:schemaRef ds:uri="http://purl.org/dc/elements/1.1/"/>
     <ds:schemaRef ds:uri="http://purl.org/dc/terms/"/>
     <ds:schemaRef ds:uri="http://schemas.microsoft.com/internal/obd"/>
-  </ds:schemaRefs>
-</ds:datastoreItem>
-</file>
-
-<file path=customXml/itemProps2.xml><?xml version="1.0" encoding="utf-8"?>
-<ds:datastoreItem xmlns:ds="http://schemas.openxmlformats.org/officeDocument/2006/customXml" ds:itemID="{B00FC41E-FBDE-42E2-B58A-20EBD240A376}">
-  <ds:schemaRefs>
-    <ds:schemaRef ds:uri="http://schemas.microsoft.com/sharepoint/v3/contenttype/forms"/>
   </ds:schemaRefs>
 </ds:datastoreItem>
 </file>

--- a/Templates/morgan.pptx
+++ b/Templates/morgan.pptx
@@ -238,7 +238,7 @@
           <a:p>
             <a:fld id="{515CCE07-1711-4DC7-A7D8-7ED312C82FB8}" type="datetimeFigureOut">
               <a:rPr lang="fr-FR" smtClean="0"/>
-              <a:t>28/06/2022</a:t>
+              <a:t>11/07/2022</a:t>
             </a:fld>
             <a:endParaRPr lang="fr-FR"/>
           </a:p>
@@ -1483,7 +1483,7 @@
               </a:defRPr>
             </a:pPr>
             <a:r>
-              <a:rPr lang="fr-FR" sz="1000" b="1" dirty="0">
+              <a:rPr lang="fr-FR" sz="1000" dirty="0">
                 <a:latin typeface="Futura PT" panose="020B0902020204020203" pitchFamily="34" charset="0"/>
               </a:rPr>
               <a:t>COMMUNICATION À CARACTÈRE PROMOTIONNEL</a:t>
@@ -1778,11 +1778,24 @@
                 </a:solidFill>
                 <a:latin typeface="Futura PT" panose="020B0902020204020203" pitchFamily="34" charset="0"/>
               </a:rPr>
-              <a:t>Durée d’investissement conseillée : </a:t>
+              <a:t>Durée d’investissement conseillée </a:t>
+            </a:r>
+            <a:r>
+              <a:rPr lang="fr-FR" sz="800" b="1">
+                <a:solidFill>
+                  <a:srgbClr val="B9A049"/>
+                </a:solidFill>
+                <a:latin typeface="Futura PT" panose="020B0902020204020203" pitchFamily="34" charset="0"/>
+              </a:rPr>
+              <a:t>: </a:t>
+            </a:r>
+            <a:r>
+              <a:rPr lang="fr-FR" sz="800" b="1" cap="none"/>
+              <a:t>&lt;DIC&gt; </a:t>
             </a:r>
             <a:r>
               <a:rPr lang="fr-FR" sz="800" b="1" cap="none" dirty="0"/>
-              <a:t>&lt;DIC&gt; (</a:t>
+              <a:t>(</a:t>
             </a:r>
             <a:r>
               <a:rPr lang="fr-FR" sz="800" cap="none" dirty="0">
@@ -36204,6 +36217,18 @@
 </file>
 
 <file path=customXml/item1.xml><?xml version="1.0" encoding="utf-8"?>
+<p:properties xmlns:p="http://schemas.microsoft.com/office/2006/metadata/properties" xmlns:xsi="http://www.w3.org/2001/XMLSchema-instance" xmlns:pc="http://schemas.microsoft.com/office/infopath/2007/PartnerControls">
+  <documentManagement>
+    <_Flow_SignoffStatus xmlns="ef624bc2-1644-4d69-8362-5c28ca496374" xsi:nil="true"/>
+    <TaxCatchAll xmlns="514a554b-82b0-4359-b247-fc84018a95f0" xsi:nil="true"/>
+    <lcf76f155ced4ddcb4097134ff3c332f xmlns="ef624bc2-1644-4d69-8362-5c28ca496374">
+      <Terms xmlns="http://schemas.microsoft.com/office/infopath/2007/PartnerControls"/>
+    </lcf76f155ced4ddcb4097134ff3c332f>
+  </documentManagement>
+</p:properties>
+</file>
+
+<file path=customXml/item2.xml><?xml version="1.0" encoding="utf-8"?>
 <?mso-contentType ?>
 <FormTemplates xmlns="http://schemas.microsoft.com/sharepoint/v3/contenttype/forms">
   <Display>DocumentLibraryForm</Display>
@@ -36212,7 +36237,7 @@
 </FormTemplates>
 </file>
 
-<file path=customXml/item2.xml><?xml version="1.0" encoding="utf-8"?>
+<file path=customXml/item3.xml><?xml version="1.0" encoding="utf-8"?>
 <ct:contentTypeSchema xmlns:ct="http://schemas.microsoft.com/office/2006/metadata/contentType" xmlns:ma="http://schemas.microsoft.com/office/2006/metadata/properties/metaAttributes" ct:_="" ma:_="" ma:contentTypeName="Document" ma:contentTypeID="0x0101005DDE610BC516E448BB8152259F39635A" ma:contentTypeVersion="17" ma:contentTypeDescription="Crée un document." ma:contentTypeScope="" ma:versionID="bfb75e103009df80b8e5001438c41194">
   <xsd:schema xmlns:xsd="http://www.w3.org/2001/XMLSchema" xmlns:xs="http://www.w3.org/2001/XMLSchema" xmlns:p="http://schemas.microsoft.com/office/2006/metadata/properties" xmlns:ns2="ef624bc2-1644-4d69-8362-5c28ca496374" xmlns:ns3="514a554b-82b0-4359-b247-fc84018a95f0" targetNamespace="http://schemas.microsoft.com/office/2006/metadata/properties" ma:root="true" ma:fieldsID="2ae3df86d13efbb4a35042af2564d386" ns2:_="" ns3:_="">
     <xsd:import namespace="ef624bc2-1644-4d69-8362-5c28ca496374"/>
@@ -36461,19 +36486,24 @@
 </ct:contentTypeSchema>
 </file>
 
-<file path=customXml/item3.xml><?xml version="1.0" encoding="utf-8"?>
-<p:properties xmlns:p="http://schemas.microsoft.com/office/2006/metadata/properties" xmlns:xsi="http://www.w3.org/2001/XMLSchema-instance" xmlns:pc="http://schemas.microsoft.com/office/infopath/2007/PartnerControls">
-  <documentManagement>
-    <_Flow_SignoffStatus xmlns="ef624bc2-1644-4d69-8362-5c28ca496374" xsi:nil="true"/>
-    <TaxCatchAll xmlns="514a554b-82b0-4359-b247-fc84018a95f0" xsi:nil="true"/>
-    <lcf76f155ced4ddcb4097134ff3c332f xmlns="ef624bc2-1644-4d69-8362-5c28ca496374">
-      <Terms xmlns="http://schemas.microsoft.com/office/infopath/2007/PartnerControls"/>
-    </lcf76f155ced4ddcb4097134ff3c332f>
-  </documentManagement>
-</p:properties>
+<file path=customXml/itemProps1.xml><?xml version="1.0" encoding="utf-8"?>
+<ds:datastoreItem xmlns:ds="http://schemas.openxmlformats.org/officeDocument/2006/customXml" ds:itemID="{25DE574B-2CD2-4078-9BEA-2A14717D9698}">
+  <ds:schemaRefs>
+    <ds:schemaRef ds:uri="514a554b-82b0-4359-b247-fc84018a95f0"/>
+    <ds:schemaRef ds:uri="ef624bc2-1644-4d69-8362-5c28ca496374"/>
+    <ds:schemaRef ds:uri="http://purl.org/dc/dcmitype/"/>
+    <ds:schemaRef ds:uri="http://purl.org/dc/elements/1.1/"/>
+    <ds:schemaRef ds:uri="http://purl.org/dc/terms/"/>
+    <ds:schemaRef ds:uri="http://schemas.microsoft.com/office/2006/documentManagement/types"/>
+    <ds:schemaRef ds:uri="http://schemas.microsoft.com/office/2006/metadata/properties"/>
+    <ds:schemaRef ds:uri="http://schemas.microsoft.com/office/infopath/2007/PartnerControls"/>
+    <ds:schemaRef ds:uri="http://schemas.openxmlformats.org/package/2006/metadata/core-properties"/>
+    <ds:schemaRef ds:uri="http://www.w3.org/XML/1998/namespace"/>
+  </ds:schemaRefs>
+</ds:datastoreItem>
 </file>
 
-<file path=customXml/itemProps1.xml><?xml version="1.0" encoding="utf-8"?>
+<file path=customXml/itemProps2.xml><?xml version="1.0" encoding="utf-8"?>
 <ds:datastoreItem xmlns:ds="http://schemas.openxmlformats.org/officeDocument/2006/customXml" ds:itemID="{B00FC41E-FBDE-42E2-B58A-20EBD240A376}">
   <ds:schemaRefs>
     <ds:schemaRef ds:uri="http://schemas.microsoft.com/sharepoint/v3/contenttype/forms"/>
@@ -36481,7 +36511,7 @@
 </ds:datastoreItem>
 </file>
 
-<file path=customXml/itemProps2.xml><?xml version="1.0" encoding="utf-8"?>
+<file path=customXml/itemProps3.xml><?xml version="1.0" encoding="utf-8"?>
 <ds:datastoreItem xmlns:ds="http://schemas.openxmlformats.org/officeDocument/2006/customXml" ds:itemID="{DE898DE2-83E7-42CE-B7CD-9C9DF4B16BA4}">
   <ds:schemaRefs>
     <ds:schemaRef ds:uri="http://schemas.microsoft.com/office/2006/metadata/contentType"/>
@@ -36498,21 +36528,4 @@
     <ds:schemaRef ds:uri="http://schemas.microsoft.com/internal/obd"/>
   </ds:schemaRefs>
 </ds:datastoreItem>
-</file>
-
-<file path=customXml/itemProps3.xml><?xml version="1.0" encoding="utf-8"?>
-<ds:datastoreItem xmlns:ds="http://schemas.openxmlformats.org/officeDocument/2006/customXml" ds:itemID="{25DE574B-2CD2-4078-9BEA-2A14717D9698}">
-  <ds:schemaRefs>
-    <ds:schemaRef ds:uri="514a554b-82b0-4359-b247-fc84018a95f0"/>
-    <ds:schemaRef ds:uri="ef624bc2-1644-4d69-8362-5c28ca496374"/>
-    <ds:schemaRef ds:uri="http://purl.org/dc/dcmitype/"/>
-    <ds:schemaRef ds:uri="http://purl.org/dc/elements/1.1/"/>
-    <ds:schemaRef ds:uri="http://purl.org/dc/terms/"/>
-    <ds:schemaRef ds:uri="http://schemas.microsoft.com/office/2006/documentManagement/types"/>
-    <ds:schemaRef ds:uri="http://schemas.microsoft.com/office/2006/metadata/properties"/>
-    <ds:schemaRef ds:uri="http://schemas.microsoft.com/office/infopath/2007/PartnerControls"/>
-    <ds:schemaRef ds:uri="http://schemas.openxmlformats.org/package/2006/metadata/core-properties"/>
-    <ds:schemaRef ds:uri="http://www.w3.org/XML/1998/namespace"/>
-  </ds:schemaRefs>
-</ds:datastoreItem>
 </file>